--- a/presentation/Routing_with_SAT.pptx
+++ b/presentation/Routing_with_SAT.pptx
@@ -213,7 +213,7 @@
           <a:p>
             <a:fld id="{BECB2C6D-4DC3-4C94-9CF5-9C684764F872}" type="datetimeFigureOut">
               <a:rPr lang="en-GB" smtClean="0"/>
-              <a:t>15/12/2019</a:t>
+              <a:t>16/12/2019</a:t>
             </a:fld>
             <a:endParaRPr lang="en-GB"/>
           </a:p>
@@ -1226,7 +1226,7 @@
           <a:p>
             <a:fld id="{2796905C-DA17-49A4-8DDB-87CD9D099B0D}" type="datetime1">
               <a:rPr lang="en-US" smtClean="0"/>
-              <a:t>12/15/2019</a:t>
+              <a:t>12/16/2019</a:t>
             </a:fld>
             <a:endParaRPr lang="en-US" dirty="0"/>
           </a:p>
@@ -1472,7 +1472,7 @@
           <a:p>
             <a:fld id="{01E4BC7C-4F21-47A7-B665-BA831EEE28B8}" type="datetime1">
               <a:rPr lang="en-US" smtClean="0"/>
-              <a:t>12/15/2019</a:t>
+              <a:t>12/16/2019</a:t>
             </a:fld>
             <a:endParaRPr lang="en-US" dirty="0"/>
           </a:p>
@@ -1782,7 +1782,7 @@
           <a:p>
             <a:fld id="{B8F118B2-03C7-457E-8FAB-FF704A0BBBD3}" type="datetime1">
               <a:rPr lang="en-US" smtClean="0"/>
-              <a:t>12/15/2019</a:t>
+              <a:t>12/16/2019</a:t>
             </a:fld>
             <a:endParaRPr lang="en-US" dirty="0"/>
           </a:p>
@@ -2111,7 +2111,7 @@
           <a:p>
             <a:fld id="{B7F502E1-A820-4F24-AB86-41A0057BABCD}" type="datetime1">
               <a:rPr lang="en-US" smtClean="0"/>
-              <a:t>12/15/2019</a:t>
+              <a:t>12/16/2019</a:t>
             </a:fld>
             <a:endParaRPr lang="en-US" dirty="0"/>
           </a:p>
@@ -2421,7 +2421,7 @@
           <a:p>
             <a:fld id="{2F30ABEB-4B04-40F6-8459-5AAFBB9CB56A}" type="datetime1">
               <a:rPr lang="en-US" smtClean="0"/>
-              <a:t>12/15/2019</a:t>
+              <a:t>12/16/2019</a:t>
             </a:fld>
             <a:endParaRPr lang="en-US" dirty="0"/>
           </a:p>
@@ -2810,7 +2810,7 @@
           <a:p>
             <a:fld id="{9582FA39-3D74-4F7D-9DD1-0794B3291D4D}" type="datetime1">
               <a:rPr lang="en-US" smtClean="0"/>
-              <a:t>12/15/2019</a:t>
+              <a:t>12/16/2019</a:t>
             </a:fld>
             <a:endParaRPr lang="en-US" dirty="0"/>
           </a:p>
@@ -2976,7 +2976,7 @@
           <a:p>
             <a:fld id="{7DD08246-4815-44DC-B7B5-60C875688B9E}" type="datetime1">
               <a:rPr lang="en-US" smtClean="0"/>
-              <a:t>12/15/2019</a:t>
+              <a:t>12/16/2019</a:t>
             </a:fld>
             <a:endParaRPr lang="en-US" dirty="0"/>
           </a:p>
@@ -3151,7 +3151,7 @@
           <a:p>
             <a:fld id="{98C89809-38BB-4BA4-AC0E-DFC1A1077408}" type="datetime1">
               <a:rPr lang="en-US" smtClean="0"/>
-              <a:t>12/15/2019</a:t>
+              <a:t>12/16/2019</a:t>
             </a:fld>
             <a:endParaRPr lang="en-US" dirty="0"/>
           </a:p>
@@ -3317,7 +3317,7 @@
           <a:p>
             <a:fld id="{9CFB5252-5EBE-48B3-8EB7-784B24120C6F}" type="datetime1">
               <a:rPr lang="en-US" smtClean="0"/>
-              <a:t>12/15/2019</a:t>
+              <a:t>12/16/2019</a:t>
             </a:fld>
             <a:endParaRPr lang="en-US" dirty="0"/>
           </a:p>
@@ -3568,7 +3568,7 @@
           <a:p>
             <a:fld id="{64305591-0D69-4A01-8960-ECE759C8E8A8}" type="datetime1">
               <a:rPr lang="en-US" smtClean="0"/>
-              <a:t>12/15/2019</a:t>
+              <a:t>12/16/2019</a:t>
             </a:fld>
             <a:endParaRPr lang="en-US" dirty="0"/>
           </a:p>
@@ -3796,7 +3796,7 @@
           <a:p>
             <a:fld id="{D68489CE-C8B0-4C0B-92E2-57067CA40301}" type="datetime1">
               <a:rPr lang="en-US" smtClean="0"/>
-              <a:t>12/15/2019</a:t>
+              <a:t>12/16/2019</a:t>
             </a:fld>
             <a:endParaRPr lang="en-US" dirty="0"/>
           </a:p>
@@ -4165,7 +4165,7 @@
           <a:p>
             <a:fld id="{D8B5A177-7B10-40A6-8A6D-354F61A3CFE4}" type="datetime1">
               <a:rPr lang="en-US" smtClean="0"/>
-              <a:t>12/15/2019</a:t>
+              <a:t>12/16/2019</a:t>
             </a:fld>
             <a:endParaRPr lang="en-US" dirty="0"/>
           </a:p>
@@ -4284,7 +4284,7 @@
           <a:p>
             <a:fld id="{64DBCFB2-E759-47D7-B53E-4B84EB8CA8FD}" type="datetime1">
               <a:rPr lang="en-US" smtClean="0"/>
-              <a:t>12/15/2019</a:t>
+              <a:t>12/16/2019</a:t>
             </a:fld>
             <a:endParaRPr lang="en-US" dirty="0"/>
           </a:p>
@@ -4375,7 +4375,7 @@
           <a:p>
             <a:fld id="{39013846-ED57-4C08-9B57-10FEED0FBA85}" type="datetime1">
               <a:rPr lang="en-US" smtClean="0"/>
-              <a:t>12/15/2019</a:t>
+              <a:t>12/16/2019</a:t>
             </a:fld>
             <a:endParaRPr lang="en-US" dirty="0"/>
           </a:p>
@@ -4626,7 +4626,7 @@
           <a:p>
             <a:fld id="{D1EC6A6B-C119-4947-8B3C-97C39A57536E}" type="datetime1">
               <a:rPr lang="en-US" smtClean="0"/>
-              <a:t>12/15/2019</a:t>
+              <a:t>12/16/2019</a:t>
             </a:fld>
             <a:endParaRPr lang="en-US" dirty="0"/>
           </a:p>
@@ -4927,7 +4927,7 @@
           <a:p>
             <a:fld id="{53134684-0872-4638-8CA3-B6A6E4AF478E}" type="datetime1">
               <a:rPr lang="en-US" smtClean="0"/>
-              <a:t>12/15/2019</a:t>
+              <a:t>12/16/2019</a:t>
             </a:fld>
             <a:endParaRPr lang="en-US" dirty="0"/>
           </a:p>
@@ -5624,7 +5624,7 @@
           <a:p>
             <a:fld id="{5F5AA6E0-0653-462E-8A9A-6B21E8E75808}" type="datetime1">
               <a:rPr lang="en-US" smtClean="0"/>
-              <a:t>12/15/2019</a:t>
+              <a:t>12/16/2019</a:t>
             </a:fld>
             <a:endParaRPr lang="en-US" dirty="0"/>
           </a:p>
@@ -7479,12 +7479,12 @@
       </p:sp>
       <p:sp>
         <p:nvSpPr>
-          <p:cNvPr id="3" name="Content Placeholder 2"/>
-          <p:cNvSpPr>
-            <a:spLocks noGrp="1"/>
-          </p:cNvSpPr>
-          <p:nvPr>
-            <p:ph idx="1"/>
+          <p:cNvPr id="4" name="Slide Number Placeholder 3"/>
+          <p:cNvSpPr>
+            <a:spLocks noGrp="1"/>
+          </p:cNvSpPr>
+          <p:nvPr>
+            <p:ph type="sldNum" sz="quarter" idx="12"/>
           </p:nvPr>
         </p:nvSpPr>
         <p:spPr/>
@@ -7492,52 +7492,7 @@
           <a:bodyPr/>
           <a:lstStyle/>
           <a:p>
-            <a:r>
-              <a:rPr lang="en-GB" dirty="0" smtClean="0"/>
-              <a:t>Give me an input</a:t>
-            </a:r>
-          </a:p>
-          <a:p>
-            <a:pPr>
-              <a:lnSpc>
-                <a:spcPct val="150000"/>
-              </a:lnSpc>
-            </a:pPr>
-            <a:r>
-              <a:rPr lang="en-GB" dirty="0" smtClean="0"/>
-              <a:t>We run the program</a:t>
-            </a:r>
-          </a:p>
-          <a:p>
-            <a:pPr>
-              <a:lnSpc>
-                <a:spcPct val="150000"/>
-              </a:lnSpc>
-            </a:pPr>
-            <a:r>
-              <a:rPr lang="en-GB" dirty="0" smtClean="0"/>
-              <a:t>We check the output</a:t>
-            </a:r>
-            <a:endParaRPr lang="en-GB" dirty="0"/>
-          </a:p>
-        </p:txBody>
-      </p:sp>
-      <p:sp>
-        <p:nvSpPr>
-          <p:cNvPr id="4" name="Slide Number Placeholder 3"/>
-          <p:cNvSpPr>
-            <a:spLocks noGrp="1"/>
-          </p:cNvSpPr>
-          <p:nvPr>
-            <p:ph type="sldNum" sz="quarter" idx="12"/>
-          </p:nvPr>
-        </p:nvSpPr>
-        <p:spPr/>
-        <p:txBody>
-          <a:bodyPr/>
-          <a:lstStyle/>
-          <a:p>
-            <a:fld id="{519954A3-9DFD-4C44-94BA-B95130A3BA1C}" type="slidenum">
+            <a:fld id="{D57F1E4F-1CFF-5643-939E-217C01CDF565}" type="slidenum">
               <a:rPr lang="en-US" smtClean="0"/>
               <a:pPr/>
               <a:t>17</a:t>
@@ -7549,7 +7504,7 @@
     </p:spTree>
     <p:extLst>
       <p:ext uri="{BB962C8B-B14F-4D97-AF65-F5344CB8AC3E}">
-        <p14:creationId xmlns:p14="http://schemas.microsoft.com/office/powerpoint/2010/main" val="919318054"/>
+        <p14:creationId xmlns:p14="http://schemas.microsoft.com/office/powerpoint/2010/main" val="390131342"/>
       </p:ext>
     </p:extLst>
   </p:cSld>
@@ -8613,7 +8568,15 @@
             </a:r>
             <a:r>
               <a:rPr lang="en-GB" i="1" dirty="0"/>
-              <a:t> + 3¬C ≤</a:t>
+              <a:t> </a:t>
+            </a:r>
+            <a:r>
+              <a:rPr lang="en-GB" i="1" dirty="0" smtClean="0"/>
+              <a:t>- </a:t>
+            </a:r>
+            <a:r>
+              <a:rPr lang="en-GB" i="1" dirty="0"/>
+              <a:t>3¬C ≤</a:t>
             </a:r>
             <a:r>
               <a:rPr lang="en-GB" i="1" dirty="0" smtClean="0"/>
@@ -8831,8 +8794,8 @@
           </a:p>
         </p:txBody>
       </p:sp>
-      <mc:AlternateContent xmlns:mc="http://schemas.openxmlformats.org/markup-compatibility/2006">
-        <mc:Choice xmlns:a14="http://schemas.microsoft.com/office/drawing/2010/main" Requires="a14">
+      <mc:AlternateContent xmlns:mc="http://schemas.openxmlformats.org/markup-compatibility/2006" xmlns:a14="http://schemas.microsoft.com/office/drawing/2010/main">
+        <mc:Choice Requires="a14">
           <p:sp>
             <p:nvSpPr>
               <p:cNvPr id="3" name="Content Placeholder 2"/>
@@ -8986,7 +8949,7 @@
             </p:txBody>
           </p:sp>
         </mc:Choice>
-        <mc:Fallback>
+        <mc:Fallback xmlns="">
           <p:sp>
             <p:nvSpPr>
               <p:cNvPr id="3" name="Content Placeholder 2"/>
